--- a/ppt 16-9/1200.永生门.pptx
+++ b/ppt 16-9/1200.永生门.pptx
@@ -129,7 +129,7 @@
           <p:cNvPr id="2" name="标题 1">
             <a:extLst>
               <a:ext uri="{FF2B5EF4-FFF2-40B4-BE49-F238E27FC236}">
-                <a16:creationId xmlns:a16="http://schemas.microsoft.com/office/drawing/2014/main" id="{ED27FADB-0D4C-4DED-9C8D-0095AB98B69A}"/>
+                <a16:creationId xmlns:a16="http://schemas.microsoft.com/office/drawing/2014/main" id="{B0CA63E0-779A-0626-B48C-FABB6BB8214A}"/>
               </a:ext>
             </a:extLst>
           </p:cNvPr>
@@ -166,7 +166,7 @@
           <p:cNvPr id="3" name="副标题 2">
             <a:extLst>
               <a:ext uri="{FF2B5EF4-FFF2-40B4-BE49-F238E27FC236}">
-                <a16:creationId xmlns:a16="http://schemas.microsoft.com/office/drawing/2014/main" id="{A5A697F3-B715-F99B-B768-79C86D4DACFA}"/>
+                <a16:creationId xmlns:a16="http://schemas.microsoft.com/office/drawing/2014/main" id="{41B29DD3-0EED-F7B3-6EF8-778A1B6DFE8C}"/>
               </a:ext>
             </a:extLst>
           </p:cNvPr>
@@ -236,7 +236,7 @@
           <p:cNvPr id="4" name="日期占位符 3">
             <a:extLst>
               <a:ext uri="{FF2B5EF4-FFF2-40B4-BE49-F238E27FC236}">
-                <a16:creationId xmlns:a16="http://schemas.microsoft.com/office/drawing/2014/main" id="{22A4EA74-2899-67E4-A76C-6AA00DCA5CEF}"/>
+                <a16:creationId xmlns:a16="http://schemas.microsoft.com/office/drawing/2014/main" id="{4F9ED209-18D1-BEE9-151D-A90654C598BE}"/>
               </a:ext>
             </a:extLst>
           </p:cNvPr>
@@ -252,7 +252,7 @@
           <a:bodyPr/>
           <a:lstStyle/>
           <a:p>
-            <a:fld id="{ED1FEA49-5655-4833-84F1-6A0B1D90EE4D}" type="datetimeFigureOut">
+            <a:fld id="{399F69FC-BD55-4676-B0FE-2CACC656C194}" type="datetimeFigureOut">
               <a:rPr lang="zh-CN" altLang="en-US" smtClean="0"/>
               <a:t>2024/3/10</a:t>
             </a:fld>
@@ -265,7 +265,7 @@
           <p:cNvPr id="5" name="页脚占位符 4">
             <a:extLst>
               <a:ext uri="{FF2B5EF4-FFF2-40B4-BE49-F238E27FC236}">
-                <a16:creationId xmlns:a16="http://schemas.microsoft.com/office/drawing/2014/main" id="{E8CC2A9E-C07C-B73C-BDA6-CCB2113C10F7}"/>
+                <a16:creationId xmlns:a16="http://schemas.microsoft.com/office/drawing/2014/main" id="{FB6795AF-302C-83C6-AD06-6778449CB16A}"/>
               </a:ext>
             </a:extLst>
           </p:cNvPr>
@@ -290,7 +290,7 @@
           <p:cNvPr id="6" name="灯片编号占位符 5">
             <a:extLst>
               <a:ext uri="{FF2B5EF4-FFF2-40B4-BE49-F238E27FC236}">
-                <a16:creationId xmlns:a16="http://schemas.microsoft.com/office/drawing/2014/main" id="{535C9F69-5C9F-F177-2358-4454EB4A3629}"/>
+                <a16:creationId xmlns:a16="http://schemas.microsoft.com/office/drawing/2014/main" id="{12C09983-8171-A351-0FDC-E4B63167DE5C}"/>
               </a:ext>
             </a:extLst>
           </p:cNvPr>
@@ -306,7 +306,7 @@
           <a:bodyPr/>
           <a:lstStyle/>
           <a:p>
-            <a:fld id="{F476AD3A-5A64-42AB-8A4B-74E0FF1AF28F}" type="slidenum">
+            <a:fld id="{D08B003B-A755-45AA-AD26-65DDCE84F645}" type="slidenum">
               <a:rPr lang="zh-CN" altLang="en-US" smtClean="0"/>
               <a:t>‹#›</a:t>
             </a:fld>
@@ -317,7 +317,7 @@
     </p:spTree>
     <p:extLst>
       <p:ext uri="{BB962C8B-B14F-4D97-AF65-F5344CB8AC3E}">
-        <p14:creationId xmlns:p14="http://schemas.microsoft.com/office/powerpoint/2010/main" val="761534760"/>
+        <p14:creationId xmlns:p14="http://schemas.microsoft.com/office/powerpoint/2010/main" val="4076678870"/>
       </p:ext>
     </p:extLst>
   </p:cSld>
@@ -349,7 +349,7 @@
           <p:cNvPr id="2" name="标题 1">
             <a:extLst>
               <a:ext uri="{FF2B5EF4-FFF2-40B4-BE49-F238E27FC236}">
-                <a16:creationId xmlns:a16="http://schemas.microsoft.com/office/drawing/2014/main" id="{8536BF41-9345-63EE-4578-9935C146C401}"/>
+                <a16:creationId xmlns:a16="http://schemas.microsoft.com/office/drawing/2014/main" id="{13341BB5-519B-A4D2-0F65-6EB1BFBBDF19}"/>
               </a:ext>
             </a:extLst>
           </p:cNvPr>
@@ -377,7 +377,7 @@
           <p:cNvPr id="3" name="竖排文字占位符 2">
             <a:extLst>
               <a:ext uri="{FF2B5EF4-FFF2-40B4-BE49-F238E27FC236}">
-                <a16:creationId xmlns:a16="http://schemas.microsoft.com/office/drawing/2014/main" id="{01328C2F-13C4-CA34-BEA1-E837C9A95CC8}"/>
+                <a16:creationId xmlns:a16="http://schemas.microsoft.com/office/drawing/2014/main" id="{663FF5B0-EC21-32F1-1868-64E96F6CC67C}"/>
               </a:ext>
             </a:extLst>
           </p:cNvPr>
@@ -434,7 +434,7 @@
           <p:cNvPr id="4" name="日期占位符 3">
             <a:extLst>
               <a:ext uri="{FF2B5EF4-FFF2-40B4-BE49-F238E27FC236}">
-                <a16:creationId xmlns:a16="http://schemas.microsoft.com/office/drawing/2014/main" id="{05704105-EE1B-9FB6-4338-387E79581C89}"/>
+                <a16:creationId xmlns:a16="http://schemas.microsoft.com/office/drawing/2014/main" id="{0A109AD9-E1C1-BE1F-3103-76E384E95DE9}"/>
               </a:ext>
             </a:extLst>
           </p:cNvPr>
@@ -450,7 +450,7 @@
           <a:bodyPr/>
           <a:lstStyle/>
           <a:p>
-            <a:fld id="{ED1FEA49-5655-4833-84F1-6A0B1D90EE4D}" type="datetimeFigureOut">
+            <a:fld id="{399F69FC-BD55-4676-B0FE-2CACC656C194}" type="datetimeFigureOut">
               <a:rPr lang="zh-CN" altLang="en-US" smtClean="0"/>
               <a:t>2024/3/10</a:t>
             </a:fld>
@@ -463,7 +463,7 @@
           <p:cNvPr id="5" name="页脚占位符 4">
             <a:extLst>
               <a:ext uri="{FF2B5EF4-FFF2-40B4-BE49-F238E27FC236}">
-                <a16:creationId xmlns:a16="http://schemas.microsoft.com/office/drawing/2014/main" id="{2908E964-E987-973F-2432-756F4735F5C8}"/>
+                <a16:creationId xmlns:a16="http://schemas.microsoft.com/office/drawing/2014/main" id="{7F1CB0F5-42BF-19FE-B876-82D28CFAF230}"/>
               </a:ext>
             </a:extLst>
           </p:cNvPr>
@@ -488,7 +488,7 @@
           <p:cNvPr id="6" name="灯片编号占位符 5">
             <a:extLst>
               <a:ext uri="{FF2B5EF4-FFF2-40B4-BE49-F238E27FC236}">
-                <a16:creationId xmlns:a16="http://schemas.microsoft.com/office/drawing/2014/main" id="{E6415D40-3396-E21E-884C-6318A729A5BD}"/>
+                <a16:creationId xmlns:a16="http://schemas.microsoft.com/office/drawing/2014/main" id="{AC2D80A0-C375-7786-1918-E9120E18C0F3}"/>
               </a:ext>
             </a:extLst>
           </p:cNvPr>
@@ -504,7 +504,7 @@
           <a:bodyPr/>
           <a:lstStyle/>
           <a:p>
-            <a:fld id="{F476AD3A-5A64-42AB-8A4B-74E0FF1AF28F}" type="slidenum">
+            <a:fld id="{D08B003B-A755-45AA-AD26-65DDCE84F645}" type="slidenum">
               <a:rPr lang="zh-CN" altLang="en-US" smtClean="0"/>
               <a:t>‹#›</a:t>
             </a:fld>
@@ -515,7 +515,7 @@
     </p:spTree>
     <p:extLst>
       <p:ext uri="{BB962C8B-B14F-4D97-AF65-F5344CB8AC3E}">
-        <p14:creationId xmlns:p14="http://schemas.microsoft.com/office/powerpoint/2010/main" val="1584350909"/>
+        <p14:creationId xmlns:p14="http://schemas.microsoft.com/office/powerpoint/2010/main" val="429199769"/>
       </p:ext>
     </p:extLst>
   </p:cSld>
@@ -547,7 +547,7 @@
           <p:cNvPr id="2" name="竖排标题 1">
             <a:extLst>
               <a:ext uri="{FF2B5EF4-FFF2-40B4-BE49-F238E27FC236}">
-                <a16:creationId xmlns:a16="http://schemas.microsoft.com/office/drawing/2014/main" id="{1CA10B25-8437-7B2A-79CE-46A021A4D211}"/>
+                <a16:creationId xmlns:a16="http://schemas.microsoft.com/office/drawing/2014/main" id="{F6DC33EA-659A-6F7E-5807-1661AC414F72}"/>
               </a:ext>
             </a:extLst>
           </p:cNvPr>
@@ -580,7 +580,7 @@
           <p:cNvPr id="3" name="竖排文字占位符 2">
             <a:extLst>
               <a:ext uri="{FF2B5EF4-FFF2-40B4-BE49-F238E27FC236}">
-                <a16:creationId xmlns:a16="http://schemas.microsoft.com/office/drawing/2014/main" id="{B62B2A56-2DBC-CCBD-04D8-C428CA33A7DA}"/>
+                <a16:creationId xmlns:a16="http://schemas.microsoft.com/office/drawing/2014/main" id="{CE6DC04B-C517-CF2C-C8A4-ACCBD9128995}"/>
               </a:ext>
             </a:extLst>
           </p:cNvPr>
@@ -642,7 +642,7 @@
           <p:cNvPr id="4" name="日期占位符 3">
             <a:extLst>
               <a:ext uri="{FF2B5EF4-FFF2-40B4-BE49-F238E27FC236}">
-                <a16:creationId xmlns:a16="http://schemas.microsoft.com/office/drawing/2014/main" id="{1F612298-33D8-74FC-E9C9-F09F652B5F16}"/>
+                <a16:creationId xmlns:a16="http://schemas.microsoft.com/office/drawing/2014/main" id="{DF7C528F-97E2-01F1-6AA9-4A8D9E2AC112}"/>
               </a:ext>
             </a:extLst>
           </p:cNvPr>
@@ -658,7 +658,7 @@
           <a:bodyPr/>
           <a:lstStyle/>
           <a:p>
-            <a:fld id="{ED1FEA49-5655-4833-84F1-6A0B1D90EE4D}" type="datetimeFigureOut">
+            <a:fld id="{399F69FC-BD55-4676-B0FE-2CACC656C194}" type="datetimeFigureOut">
               <a:rPr lang="zh-CN" altLang="en-US" smtClean="0"/>
               <a:t>2024/3/10</a:t>
             </a:fld>
@@ -671,7 +671,7 @@
           <p:cNvPr id="5" name="页脚占位符 4">
             <a:extLst>
               <a:ext uri="{FF2B5EF4-FFF2-40B4-BE49-F238E27FC236}">
-                <a16:creationId xmlns:a16="http://schemas.microsoft.com/office/drawing/2014/main" id="{999C889B-96DC-872D-3275-4A11F4EC3162}"/>
+                <a16:creationId xmlns:a16="http://schemas.microsoft.com/office/drawing/2014/main" id="{E895844D-4D0B-39F5-38DB-DD405209EFBC}"/>
               </a:ext>
             </a:extLst>
           </p:cNvPr>
@@ -696,7 +696,7 @@
           <p:cNvPr id="6" name="灯片编号占位符 5">
             <a:extLst>
               <a:ext uri="{FF2B5EF4-FFF2-40B4-BE49-F238E27FC236}">
-                <a16:creationId xmlns:a16="http://schemas.microsoft.com/office/drawing/2014/main" id="{08DB3EAB-6DD2-639F-44AE-F5001BDDA080}"/>
+                <a16:creationId xmlns:a16="http://schemas.microsoft.com/office/drawing/2014/main" id="{4C3F66A3-60E2-CD90-7F39-3CB56C03FBAC}"/>
               </a:ext>
             </a:extLst>
           </p:cNvPr>
@@ -712,7 +712,7 @@
           <a:bodyPr/>
           <a:lstStyle/>
           <a:p>
-            <a:fld id="{F476AD3A-5A64-42AB-8A4B-74E0FF1AF28F}" type="slidenum">
+            <a:fld id="{D08B003B-A755-45AA-AD26-65DDCE84F645}" type="slidenum">
               <a:rPr lang="zh-CN" altLang="en-US" smtClean="0"/>
               <a:t>‹#›</a:t>
             </a:fld>
@@ -723,7 +723,7 @@
     </p:spTree>
     <p:extLst>
       <p:ext uri="{BB962C8B-B14F-4D97-AF65-F5344CB8AC3E}">
-        <p14:creationId xmlns:p14="http://schemas.microsoft.com/office/powerpoint/2010/main" val="3662794013"/>
+        <p14:creationId xmlns:p14="http://schemas.microsoft.com/office/powerpoint/2010/main" val="2880185354"/>
       </p:ext>
     </p:extLst>
   </p:cSld>
@@ -755,7 +755,7 @@
           <p:cNvPr id="2" name="标题 1">
             <a:extLst>
               <a:ext uri="{FF2B5EF4-FFF2-40B4-BE49-F238E27FC236}">
-                <a16:creationId xmlns:a16="http://schemas.microsoft.com/office/drawing/2014/main" id="{D4C14440-B5D8-99A6-3D9C-A78D971C11F7}"/>
+                <a16:creationId xmlns:a16="http://schemas.microsoft.com/office/drawing/2014/main" id="{015448AE-3D9F-E247-AC1B-BC1D0A9D91DA}"/>
               </a:ext>
             </a:extLst>
           </p:cNvPr>
@@ -783,7 +783,7 @@
           <p:cNvPr id="3" name="内容占位符 2">
             <a:extLst>
               <a:ext uri="{FF2B5EF4-FFF2-40B4-BE49-F238E27FC236}">
-                <a16:creationId xmlns:a16="http://schemas.microsoft.com/office/drawing/2014/main" id="{BFB2C1DC-9EBF-2D2C-1D2A-4B8E31924933}"/>
+                <a16:creationId xmlns:a16="http://schemas.microsoft.com/office/drawing/2014/main" id="{E8AF047E-8129-327C-0E69-D9C4A9CB3253}"/>
               </a:ext>
             </a:extLst>
           </p:cNvPr>
@@ -840,7 +840,7 @@
           <p:cNvPr id="4" name="日期占位符 3">
             <a:extLst>
               <a:ext uri="{FF2B5EF4-FFF2-40B4-BE49-F238E27FC236}">
-                <a16:creationId xmlns:a16="http://schemas.microsoft.com/office/drawing/2014/main" id="{997BA47D-EC63-95E8-5A98-D51E3725B411}"/>
+                <a16:creationId xmlns:a16="http://schemas.microsoft.com/office/drawing/2014/main" id="{77F50430-BCB2-91B3-6460-4579FB715F9D}"/>
               </a:ext>
             </a:extLst>
           </p:cNvPr>
@@ -856,7 +856,7 @@
           <a:bodyPr/>
           <a:lstStyle/>
           <a:p>
-            <a:fld id="{ED1FEA49-5655-4833-84F1-6A0B1D90EE4D}" type="datetimeFigureOut">
+            <a:fld id="{399F69FC-BD55-4676-B0FE-2CACC656C194}" type="datetimeFigureOut">
               <a:rPr lang="zh-CN" altLang="en-US" smtClean="0"/>
               <a:t>2024/3/10</a:t>
             </a:fld>
@@ -869,7 +869,7 @@
           <p:cNvPr id="5" name="页脚占位符 4">
             <a:extLst>
               <a:ext uri="{FF2B5EF4-FFF2-40B4-BE49-F238E27FC236}">
-                <a16:creationId xmlns:a16="http://schemas.microsoft.com/office/drawing/2014/main" id="{758C4C86-64E4-EB78-3F55-4BD49BCA382E}"/>
+                <a16:creationId xmlns:a16="http://schemas.microsoft.com/office/drawing/2014/main" id="{56F138A7-523D-B97A-DBE4-976910F9311C}"/>
               </a:ext>
             </a:extLst>
           </p:cNvPr>
@@ -894,7 +894,7 @@
           <p:cNvPr id="6" name="灯片编号占位符 5">
             <a:extLst>
               <a:ext uri="{FF2B5EF4-FFF2-40B4-BE49-F238E27FC236}">
-                <a16:creationId xmlns:a16="http://schemas.microsoft.com/office/drawing/2014/main" id="{CFAE055D-5ACC-D155-A2D7-9E479F248161}"/>
+                <a16:creationId xmlns:a16="http://schemas.microsoft.com/office/drawing/2014/main" id="{C7C4C671-DC46-48F9-9899-ED8A90C9D38D}"/>
               </a:ext>
             </a:extLst>
           </p:cNvPr>
@@ -910,7 +910,7 @@
           <a:bodyPr/>
           <a:lstStyle/>
           <a:p>
-            <a:fld id="{F476AD3A-5A64-42AB-8A4B-74E0FF1AF28F}" type="slidenum">
+            <a:fld id="{D08B003B-A755-45AA-AD26-65DDCE84F645}" type="slidenum">
               <a:rPr lang="zh-CN" altLang="en-US" smtClean="0"/>
               <a:t>‹#›</a:t>
             </a:fld>
@@ -921,7 +921,7 @@
     </p:spTree>
     <p:extLst>
       <p:ext uri="{BB962C8B-B14F-4D97-AF65-F5344CB8AC3E}">
-        <p14:creationId xmlns:p14="http://schemas.microsoft.com/office/powerpoint/2010/main" val="971696565"/>
+        <p14:creationId xmlns:p14="http://schemas.microsoft.com/office/powerpoint/2010/main" val="4239291714"/>
       </p:ext>
     </p:extLst>
   </p:cSld>
@@ -953,7 +953,7 @@
           <p:cNvPr id="2" name="标题 1">
             <a:extLst>
               <a:ext uri="{FF2B5EF4-FFF2-40B4-BE49-F238E27FC236}">
-                <a16:creationId xmlns:a16="http://schemas.microsoft.com/office/drawing/2014/main" id="{551019D5-CFE5-FC19-9C23-B5EB77C238A0}"/>
+                <a16:creationId xmlns:a16="http://schemas.microsoft.com/office/drawing/2014/main" id="{5C3F1186-E63A-7E12-D996-0BAEFE885134}"/>
               </a:ext>
             </a:extLst>
           </p:cNvPr>
@@ -990,7 +990,7 @@
           <p:cNvPr id="3" name="文本占位符 2">
             <a:extLst>
               <a:ext uri="{FF2B5EF4-FFF2-40B4-BE49-F238E27FC236}">
-                <a16:creationId xmlns:a16="http://schemas.microsoft.com/office/drawing/2014/main" id="{E8F1686C-09DD-9268-4C75-0DED551C08D5}"/>
+                <a16:creationId xmlns:a16="http://schemas.microsoft.com/office/drawing/2014/main" id="{557D497E-09E9-9B73-283E-1D1833227DE4}"/>
               </a:ext>
             </a:extLst>
           </p:cNvPr>
@@ -1115,7 +1115,7 @@
           <p:cNvPr id="4" name="日期占位符 3">
             <a:extLst>
               <a:ext uri="{FF2B5EF4-FFF2-40B4-BE49-F238E27FC236}">
-                <a16:creationId xmlns:a16="http://schemas.microsoft.com/office/drawing/2014/main" id="{4867089C-760C-8EDD-3649-0894AE2D4BDD}"/>
+                <a16:creationId xmlns:a16="http://schemas.microsoft.com/office/drawing/2014/main" id="{812AC312-723F-AD8C-4F64-21BC50BC9CE5}"/>
               </a:ext>
             </a:extLst>
           </p:cNvPr>
@@ -1131,7 +1131,7 @@
           <a:bodyPr/>
           <a:lstStyle/>
           <a:p>
-            <a:fld id="{ED1FEA49-5655-4833-84F1-6A0B1D90EE4D}" type="datetimeFigureOut">
+            <a:fld id="{399F69FC-BD55-4676-B0FE-2CACC656C194}" type="datetimeFigureOut">
               <a:rPr lang="zh-CN" altLang="en-US" smtClean="0"/>
               <a:t>2024/3/10</a:t>
             </a:fld>
@@ -1144,7 +1144,7 @@
           <p:cNvPr id="5" name="页脚占位符 4">
             <a:extLst>
               <a:ext uri="{FF2B5EF4-FFF2-40B4-BE49-F238E27FC236}">
-                <a16:creationId xmlns:a16="http://schemas.microsoft.com/office/drawing/2014/main" id="{97E59805-B986-444A-854B-C50D32E3357F}"/>
+                <a16:creationId xmlns:a16="http://schemas.microsoft.com/office/drawing/2014/main" id="{4D3F881A-E304-F18C-A976-8D443C6CB6B8}"/>
               </a:ext>
             </a:extLst>
           </p:cNvPr>
@@ -1169,7 +1169,7 @@
           <p:cNvPr id="6" name="灯片编号占位符 5">
             <a:extLst>
               <a:ext uri="{FF2B5EF4-FFF2-40B4-BE49-F238E27FC236}">
-                <a16:creationId xmlns:a16="http://schemas.microsoft.com/office/drawing/2014/main" id="{A3654421-07DF-E13A-5A7B-7BB1123187B0}"/>
+                <a16:creationId xmlns:a16="http://schemas.microsoft.com/office/drawing/2014/main" id="{49901E2A-392A-AC10-0EB9-1BE64DCC3DC5}"/>
               </a:ext>
             </a:extLst>
           </p:cNvPr>
@@ -1185,7 +1185,7 @@
           <a:bodyPr/>
           <a:lstStyle/>
           <a:p>
-            <a:fld id="{F476AD3A-5A64-42AB-8A4B-74E0FF1AF28F}" type="slidenum">
+            <a:fld id="{D08B003B-A755-45AA-AD26-65DDCE84F645}" type="slidenum">
               <a:rPr lang="zh-CN" altLang="en-US" smtClean="0"/>
               <a:t>‹#›</a:t>
             </a:fld>
@@ -1196,7 +1196,7 @@
     </p:spTree>
     <p:extLst>
       <p:ext uri="{BB962C8B-B14F-4D97-AF65-F5344CB8AC3E}">
-        <p14:creationId xmlns:p14="http://schemas.microsoft.com/office/powerpoint/2010/main" val="3389840475"/>
+        <p14:creationId xmlns:p14="http://schemas.microsoft.com/office/powerpoint/2010/main" val="3288650300"/>
       </p:ext>
     </p:extLst>
   </p:cSld>
@@ -1228,7 +1228,7 @@
           <p:cNvPr id="2" name="标题 1">
             <a:extLst>
               <a:ext uri="{FF2B5EF4-FFF2-40B4-BE49-F238E27FC236}">
-                <a16:creationId xmlns:a16="http://schemas.microsoft.com/office/drawing/2014/main" id="{98D6A272-9C02-10FF-7336-0876C22AE41C}"/>
+                <a16:creationId xmlns:a16="http://schemas.microsoft.com/office/drawing/2014/main" id="{1043A5CB-674E-4262-C7E4-8D01F3334BFF}"/>
               </a:ext>
             </a:extLst>
           </p:cNvPr>
@@ -1256,7 +1256,7 @@
           <p:cNvPr id="3" name="内容占位符 2">
             <a:extLst>
               <a:ext uri="{FF2B5EF4-FFF2-40B4-BE49-F238E27FC236}">
-                <a16:creationId xmlns:a16="http://schemas.microsoft.com/office/drawing/2014/main" id="{B0BB4756-8F89-0BAE-653E-2942C9644D29}"/>
+                <a16:creationId xmlns:a16="http://schemas.microsoft.com/office/drawing/2014/main" id="{AA720652-5CFF-A44E-81B3-31487A6EB035}"/>
               </a:ext>
             </a:extLst>
           </p:cNvPr>
@@ -1318,7 +1318,7 @@
           <p:cNvPr id="4" name="内容占位符 3">
             <a:extLst>
               <a:ext uri="{FF2B5EF4-FFF2-40B4-BE49-F238E27FC236}">
-                <a16:creationId xmlns:a16="http://schemas.microsoft.com/office/drawing/2014/main" id="{2D7DD529-5ABE-1383-715D-8D87E1EC8274}"/>
+                <a16:creationId xmlns:a16="http://schemas.microsoft.com/office/drawing/2014/main" id="{E145FC2A-FDC8-ED3D-DC34-BE773FF3D60A}"/>
               </a:ext>
             </a:extLst>
           </p:cNvPr>
@@ -1380,7 +1380,7 @@
           <p:cNvPr id="5" name="日期占位符 4">
             <a:extLst>
               <a:ext uri="{FF2B5EF4-FFF2-40B4-BE49-F238E27FC236}">
-                <a16:creationId xmlns:a16="http://schemas.microsoft.com/office/drawing/2014/main" id="{A2383A08-28A6-99CA-0F1E-B4C0B128C208}"/>
+                <a16:creationId xmlns:a16="http://schemas.microsoft.com/office/drawing/2014/main" id="{87A5B1D1-A858-045F-0409-4569503DABE8}"/>
               </a:ext>
             </a:extLst>
           </p:cNvPr>
@@ -1396,7 +1396,7 @@
           <a:bodyPr/>
           <a:lstStyle/>
           <a:p>
-            <a:fld id="{ED1FEA49-5655-4833-84F1-6A0B1D90EE4D}" type="datetimeFigureOut">
+            <a:fld id="{399F69FC-BD55-4676-B0FE-2CACC656C194}" type="datetimeFigureOut">
               <a:rPr lang="zh-CN" altLang="en-US" smtClean="0"/>
               <a:t>2024/3/10</a:t>
             </a:fld>
@@ -1409,7 +1409,7 @@
           <p:cNvPr id="6" name="页脚占位符 5">
             <a:extLst>
               <a:ext uri="{FF2B5EF4-FFF2-40B4-BE49-F238E27FC236}">
-                <a16:creationId xmlns:a16="http://schemas.microsoft.com/office/drawing/2014/main" id="{EC329239-DC18-A019-1E91-9BCE11942F81}"/>
+                <a16:creationId xmlns:a16="http://schemas.microsoft.com/office/drawing/2014/main" id="{6B64F0D2-80EB-E97C-B028-681791619A05}"/>
               </a:ext>
             </a:extLst>
           </p:cNvPr>
@@ -1434,7 +1434,7 @@
           <p:cNvPr id="7" name="灯片编号占位符 6">
             <a:extLst>
               <a:ext uri="{FF2B5EF4-FFF2-40B4-BE49-F238E27FC236}">
-                <a16:creationId xmlns:a16="http://schemas.microsoft.com/office/drawing/2014/main" id="{A7C9EF02-4CA7-4662-1FFE-27DDF1E5DB28}"/>
+                <a16:creationId xmlns:a16="http://schemas.microsoft.com/office/drawing/2014/main" id="{7AA90182-C2CF-A255-A22D-BBCB76AF61CE}"/>
               </a:ext>
             </a:extLst>
           </p:cNvPr>
@@ -1450,7 +1450,7 @@
           <a:bodyPr/>
           <a:lstStyle/>
           <a:p>
-            <a:fld id="{F476AD3A-5A64-42AB-8A4B-74E0FF1AF28F}" type="slidenum">
+            <a:fld id="{D08B003B-A755-45AA-AD26-65DDCE84F645}" type="slidenum">
               <a:rPr lang="zh-CN" altLang="en-US" smtClean="0"/>
               <a:t>‹#›</a:t>
             </a:fld>
@@ -1461,7 +1461,7 @@
     </p:spTree>
     <p:extLst>
       <p:ext uri="{BB962C8B-B14F-4D97-AF65-F5344CB8AC3E}">
-        <p14:creationId xmlns:p14="http://schemas.microsoft.com/office/powerpoint/2010/main" val="3507237532"/>
+        <p14:creationId xmlns:p14="http://schemas.microsoft.com/office/powerpoint/2010/main" val="809848971"/>
       </p:ext>
     </p:extLst>
   </p:cSld>
@@ -1493,7 +1493,7 @@
           <p:cNvPr id="2" name="标题 1">
             <a:extLst>
               <a:ext uri="{FF2B5EF4-FFF2-40B4-BE49-F238E27FC236}">
-                <a16:creationId xmlns:a16="http://schemas.microsoft.com/office/drawing/2014/main" id="{39C6EA43-D14E-09C2-8D40-BBB7FE397BAA}"/>
+                <a16:creationId xmlns:a16="http://schemas.microsoft.com/office/drawing/2014/main" id="{8635EBEB-2A1B-1BBA-E4A6-6ADE4E4E70F1}"/>
               </a:ext>
             </a:extLst>
           </p:cNvPr>
@@ -1526,7 +1526,7 @@
           <p:cNvPr id="3" name="文本占位符 2">
             <a:extLst>
               <a:ext uri="{FF2B5EF4-FFF2-40B4-BE49-F238E27FC236}">
-                <a16:creationId xmlns:a16="http://schemas.microsoft.com/office/drawing/2014/main" id="{8CA3E569-8572-0C8C-D298-BF688266CB4D}"/>
+                <a16:creationId xmlns:a16="http://schemas.microsoft.com/office/drawing/2014/main" id="{71B453A3-9FA6-2F6B-1717-CE16EE1FD944}"/>
               </a:ext>
             </a:extLst>
           </p:cNvPr>
@@ -1597,7 +1597,7 @@
           <p:cNvPr id="4" name="内容占位符 3">
             <a:extLst>
               <a:ext uri="{FF2B5EF4-FFF2-40B4-BE49-F238E27FC236}">
-                <a16:creationId xmlns:a16="http://schemas.microsoft.com/office/drawing/2014/main" id="{E6A4824A-3511-E8B7-D12C-90D360E78664}"/>
+                <a16:creationId xmlns:a16="http://schemas.microsoft.com/office/drawing/2014/main" id="{0CF950C3-167D-5909-D7A3-BDB681A2B42D}"/>
               </a:ext>
             </a:extLst>
           </p:cNvPr>
@@ -1659,7 +1659,7 @@
           <p:cNvPr id="5" name="文本占位符 4">
             <a:extLst>
               <a:ext uri="{FF2B5EF4-FFF2-40B4-BE49-F238E27FC236}">
-                <a16:creationId xmlns:a16="http://schemas.microsoft.com/office/drawing/2014/main" id="{72786084-15C0-09FA-1F8B-9D17C5CF36AC}"/>
+                <a16:creationId xmlns:a16="http://schemas.microsoft.com/office/drawing/2014/main" id="{FF8978F9-72B3-0209-FD41-DE595F69DF67}"/>
               </a:ext>
             </a:extLst>
           </p:cNvPr>
@@ -1730,7 +1730,7 @@
           <p:cNvPr id="6" name="内容占位符 5">
             <a:extLst>
               <a:ext uri="{FF2B5EF4-FFF2-40B4-BE49-F238E27FC236}">
-                <a16:creationId xmlns:a16="http://schemas.microsoft.com/office/drawing/2014/main" id="{F0294374-3589-5B2E-9598-BA81C8F39F08}"/>
+                <a16:creationId xmlns:a16="http://schemas.microsoft.com/office/drawing/2014/main" id="{B74F1919-2521-73BD-D358-71A191E089CE}"/>
               </a:ext>
             </a:extLst>
           </p:cNvPr>
@@ -1792,7 +1792,7 @@
           <p:cNvPr id="7" name="日期占位符 6">
             <a:extLst>
               <a:ext uri="{FF2B5EF4-FFF2-40B4-BE49-F238E27FC236}">
-                <a16:creationId xmlns:a16="http://schemas.microsoft.com/office/drawing/2014/main" id="{8EDA7077-3B55-3675-B34B-7C8DB7733809}"/>
+                <a16:creationId xmlns:a16="http://schemas.microsoft.com/office/drawing/2014/main" id="{E7F00119-D504-7EF6-F303-E5CA9FE431CE}"/>
               </a:ext>
             </a:extLst>
           </p:cNvPr>
@@ -1808,7 +1808,7 @@
           <a:bodyPr/>
           <a:lstStyle/>
           <a:p>
-            <a:fld id="{ED1FEA49-5655-4833-84F1-6A0B1D90EE4D}" type="datetimeFigureOut">
+            <a:fld id="{399F69FC-BD55-4676-B0FE-2CACC656C194}" type="datetimeFigureOut">
               <a:rPr lang="zh-CN" altLang="en-US" smtClean="0"/>
               <a:t>2024/3/10</a:t>
             </a:fld>
@@ -1821,7 +1821,7 @@
           <p:cNvPr id="8" name="页脚占位符 7">
             <a:extLst>
               <a:ext uri="{FF2B5EF4-FFF2-40B4-BE49-F238E27FC236}">
-                <a16:creationId xmlns:a16="http://schemas.microsoft.com/office/drawing/2014/main" id="{46D6DB2F-2333-C063-CBAF-C528724B8E23}"/>
+                <a16:creationId xmlns:a16="http://schemas.microsoft.com/office/drawing/2014/main" id="{A1102AD6-47F7-320B-FA2A-39B3908DA853}"/>
               </a:ext>
             </a:extLst>
           </p:cNvPr>
@@ -1846,7 +1846,7 @@
           <p:cNvPr id="9" name="灯片编号占位符 8">
             <a:extLst>
               <a:ext uri="{FF2B5EF4-FFF2-40B4-BE49-F238E27FC236}">
-                <a16:creationId xmlns:a16="http://schemas.microsoft.com/office/drawing/2014/main" id="{20E94FEC-98E5-A062-F4F4-AEB74589D2FB}"/>
+                <a16:creationId xmlns:a16="http://schemas.microsoft.com/office/drawing/2014/main" id="{C7FBB963-7EBE-4921-932D-25F9BFFFBF70}"/>
               </a:ext>
             </a:extLst>
           </p:cNvPr>
@@ -1862,7 +1862,7 @@
           <a:bodyPr/>
           <a:lstStyle/>
           <a:p>
-            <a:fld id="{F476AD3A-5A64-42AB-8A4B-74E0FF1AF28F}" type="slidenum">
+            <a:fld id="{D08B003B-A755-45AA-AD26-65DDCE84F645}" type="slidenum">
               <a:rPr lang="zh-CN" altLang="en-US" smtClean="0"/>
               <a:t>‹#›</a:t>
             </a:fld>
@@ -1873,7 +1873,7 @@
     </p:spTree>
     <p:extLst>
       <p:ext uri="{BB962C8B-B14F-4D97-AF65-F5344CB8AC3E}">
-        <p14:creationId xmlns:p14="http://schemas.microsoft.com/office/powerpoint/2010/main" val="3531833096"/>
+        <p14:creationId xmlns:p14="http://schemas.microsoft.com/office/powerpoint/2010/main" val="3241840394"/>
       </p:ext>
     </p:extLst>
   </p:cSld>
@@ -1905,7 +1905,7 @@
           <p:cNvPr id="2" name="标题 1">
             <a:extLst>
               <a:ext uri="{FF2B5EF4-FFF2-40B4-BE49-F238E27FC236}">
-                <a16:creationId xmlns:a16="http://schemas.microsoft.com/office/drawing/2014/main" id="{F734D5C7-0FA2-24E9-9B3E-E0346F5AAE66}"/>
+                <a16:creationId xmlns:a16="http://schemas.microsoft.com/office/drawing/2014/main" id="{DCAFD9F6-DAE6-B4B0-5A17-D8E178E07165}"/>
               </a:ext>
             </a:extLst>
           </p:cNvPr>
@@ -1933,7 +1933,7 @@
           <p:cNvPr id="3" name="日期占位符 2">
             <a:extLst>
               <a:ext uri="{FF2B5EF4-FFF2-40B4-BE49-F238E27FC236}">
-                <a16:creationId xmlns:a16="http://schemas.microsoft.com/office/drawing/2014/main" id="{65D16A6E-546A-322D-8449-34F559329AFC}"/>
+                <a16:creationId xmlns:a16="http://schemas.microsoft.com/office/drawing/2014/main" id="{78DDE5E9-F63A-2223-2A7E-01B44BB63AEC}"/>
               </a:ext>
             </a:extLst>
           </p:cNvPr>
@@ -1949,7 +1949,7 @@
           <a:bodyPr/>
           <a:lstStyle/>
           <a:p>
-            <a:fld id="{ED1FEA49-5655-4833-84F1-6A0B1D90EE4D}" type="datetimeFigureOut">
+            <a:fld id="{399F69FC-BD55-4676-B0FE-2CACC656C194}" type="datetimeFigureOut">
               <a:rPr lang="zh-CN" altLang="en-US" smtClean="0"/>
               <a:t>2024/3/10</a:t>
             </a:fld>
@@ -1962,7 +1962,7 @@
           <p:cNvPr id="4" name="页脚占位符 3">
             <a:extLst>
               <a:ext uri="{FF2B5EF4-FFF2-40B4-BE49-F238E27FC236}">
-                <a16:creationId xmlns:a16="http://schemas.microsoft.com/office/drawing/2014/main" id="{94D6E41A-A87A-7565-06E0-F761F3F6E00B}"/>
+                <a16:creationId xmlns:a16="http://schemas.microsoft.com/office/drawing/2014/main" id="{9BE73CBD-5F5D-8997-C3CF-BE5FFDC2F8F9}"/>
               </a:ext>
             </a:extLst>
           </p:cNvPr>
@@ -1987,7 +1987,7 @@
           <p:cNvPr id="5" name="灯片编号占位符 4">
             <a:extLst>
               <a:ext uri="{FF2B5EF4-FFF2-40B4-BE49-F238E27FC236}">
-                <a16:creationId xmlns:a16="http://schemas.microsoft.com/office/drawing/2014/main" id="{8B91FBB9-C0CE-52D5-B1EF-0CBF85126246}"/>
+                <a16:creationId xmlns:a16="http://schemas.microsoft.com/office/drawing/2014/main" id="{CF1C0210-8243-4504-9E2E-7E9D910B8ED3}"/>
               </a:ext>
             </a:extLst>
           </p:cNvPr>
@@ -2003,7 +2003,7 @@
           <a:bodyPr/>
           <a:lstStyle/>
           <a:p>
-            <a:fld id="{F476AD3A-5A64-42AB-8A4B-74E0FF1AF28F}" type="slidenum">
+            <a:fld id="{D08B003B-A755-45AA-AD26-65DDCE84F645}" type="slidenum">
               <a:rPr lang="zh-CN" altLang="en-US" smtClean="0"/>
               <a:t>‹#›</a:t>
             </a:fld>
@@ -2014,7 +2014,7 @@
     </p:spTree>
     <p:extLst>
       <p:ext uri="{BB962C8B-B14F-4D97-AF65-F5344CB8AC3E}">
-        <p14:creationId xmlns:p14="http://schemas.microsoft.com/office/powerpoint/2010/main" val="2556491050"/>
+        <p14:creationId xmlns:p14="http://schemas.microsoft.com/office/powerpoint/2010/main" val="3879279550"/>
       </p:ext>
     </p:extLst>
   </p:cSld>
@@ -2046,7 +2046,7 @@
           <p:cNvPr id="2" name="日期占位符 1">
             <a:extLst>
               <a:ext uri="{FF2B5EF4-FFF2-40B4-BE49-F238E27FC236}">
-                <a16:creationId xmlns:a16="http://schemas.microsoft.com/office/drawing/2014/main" id="{4B9E0467-0268-D46B-B570-2F70ECF9C73E}"/>
+                <a16:creationId xmlns:a16="http://schemas.microsoft.com/office/drawing/2014/main" id="{675AEA4F-1AD4-B415-8C5B-137D47671F9C}"/>
               </a:ext>
             </a:extLst>
           </p:cNvPr>
@@ -2062,7 +2062,7 @@
           <a:bodyPr/>
           <a:lstStyle/>
           <a:p>
-            <a:fld id="{ED1FEA49-5655-4833-84F1-6A0B1D90EE4D}" type="datetimeFigureOut">
+            <a:fld id="{399F69FC-BD55-4676-B0FE-2CACC656C194}" type="datetimeFigureOut">
               <a:rPr lang="zh-CN" altLang="en-US" smtClean="0"/>
               <a:t>2024/3/10</a:t>
             </a:fld>
@@ -2075,7 +2075,7 @@
           <p:cNvPr id="3" name="页脚占位符 2">
             <a:extLst>
               <a:ext uri="{FF2B5EF4-FFF2-40B4-BE49-F238E27FC236}">
-                <a16:creationId xmlns:a16="http://schemas.microsoft.com/office/drawing/2014/main" id="{AD933D11-1B7A-A2B6-5F86-B2538604A6DB}"/>
+                <a16:creationId xmlns:a16="http://schemas.microsoft.com/office/drawing/2014/main" id="{EE328530-4C08-9D99-20E9-A9C08C85177D}"/>
               </a:ext>
             </a:extLst>
           </p:cNvPr>
@@ -2100,7 +2100,7 @@
           <p:cNvPr id="4" name="灯片编号占位符 3">
             <a:extLst>
               <a:ext uri="{FF2B5EF4-FFF2-40B4-BE49-F238E27FC236}">
-                <a16:creationId xmlns:a16="http://schemas.microsoft.com/office/drawing/2014/main" id="{FBF7747B-B43F-9A6F-F0B6-BF17B53993F7}"/>
+                <a16:creationId xmlns:a16="http://schemas.microsoft.com/office/drawing/2014/main" id="{106BAA4C-C965-72BB-528C-F069829D8528}"/>
               </a:ext>
             </a:extLst>
           </p:cNvPr>
@@ -2116,7 +2116,7 @@
           <a:bodyPr/>
           <a:lstStyle/>
           <a:p>
-            <a:fld id="{F476AD3A-5A64-42AB-8A4B-74E0FF1AF28F}" type="slidenum">
+            <a:fld id="{D08B003B-A755-45AA-AD26-65DDCE84F645}" type="slidenum">
               <a:rPr lang="zh-CN" altLang="en-US" smtClean="0"/>
               <a:t>‹#›</a:t>
             </a:fld>
@@ -2127,7 +2127,7 @@
     </p:spTree>
     <p:extLst>
       <p:ext uri="{BB962C8B-B14F-4D97-AF65-F5344CB8AC3E}">
-        <p14:creationId xmlns:p14="http://schemas.microsoft.com/office/powerpoint/2010/main" val="1769078869"/>
+        <p14:creationId xmlns:p14="http://schemas.microsoft.com/office/powerpoint/2010/main" val="930533464"/>
       </p:ext>
     </p:extLst>
   </p:cSld>
@@ -2159,7 +2159,7 @@
           <p:cNvPr id="2" name="标题 1">
             <a:extLst>
               <a:ext uri="{FF2B5EF4-FFF2-40B4-BE49-F238E27FC236}">
-                <a16:creationId xmlns:a16="http://schemas.microsoft.com/office/drawing/2014/main" id="{FFC556E6-AA19-AA56-08DF-91BCD9AB7281}"/>
+                <a16:creationId xmlns:a16="http://schemas.microsoft.com/office/drawing/2014/main" id="{25A2B09E-058C-8EBC-756B-FC04442231E7}"/>
               </a:ext>
             </a:extLst>
           </p:cNvPr>
@@ -2196,7 +2196,7 @@
           <p:cNvPr id="3" name="内容占位符 2">
             <a:extLst>
               <a:ext uri="{FF2B5EF4-FFF2-40B4-BE49-F238E27FC236}">
-                <a16:creationId xmlns:a16="http://schemas.microsoft.com/office/drawing/2014/main" id="{692FBD05-E573-0F26-3370-601ECB2EC5A5}"/>
+                <a16:creationId xmlns:a16="http://schemas.microsoft.com/office/drawing/2014/main" id="{E54B60F8-CA0D-3E11-F27C-C908B7C77E32}"/>
               </a:ext>
             </a:extLst>
           </p:cNvPr>
@@ -2286,7 +2286,7 @@
           <p:cNvPr id="4" name="文本占位符 3">
             <a:extLst>
               <a:ext uri="{FF2B5EF4-FFF2-40B4-BE49-F238E27FC236}">
-                <a16:creationId xmlns:a16="http://schemas.microsoft.com/office/drawing/2014/main" id="{842B02E2-7176-5CE3-E4B2-8B337049242D}"/>
+                <a16:creationId xmlns:a16="http://schemas.microsoft.com/office/drawing/2014/main" id="{29D27422-AAFF-3C0E-EE59-C006F0192B02}"/>
               </a:ext>
             </a:extLst>
           </p:cNvPr>
@@ -2357,7 +2357,7 @@
           <p:cNvPr id="5" name="日期占位符 4">
             <a:extLst>
               <a:ext uri="{FF2B5EF4-FFF2-40B4-BE49-F238E27FC236}">
-                <a16:creationId xmlns:a16="http://schemas.microsoft.com/office/drawing/2014/main" id="{34328C1B-4D2D-DE23-5C3D-FED668B6D664}"/>
+                <a16:creationId xmlns:a16="http://schemas.microsoft.com/office/drawing/2014/main" id="{B80ED944-617B-63CA-25D9-0C9A695DF692}"/>
               </a:ext>
             </a:extLst>
           </p:cNvPr>
@@ -2373,7 +2373,7 @@
           <a:bodyPr/>
           <a:lstStyle/>
           <a:p>
-            <a:fld id="{ED1FEA49-5655-4833-84F1-6A0B1D90EE4D}" type="datetimeFigureOut">
+            <a:fld id="{399F69FC-BD55-4676-B0FE-2CACC656C194}" type="datetimeFigureOut">
               <a:rPr lang="zh-CN" altLang="en-US" smtClean="0"/>
               <a:t>2024/3/10</a:t>
             </a:fld>
@@ -2386,7 +2386,7 @@
           <p:cNvPr id="6" name="页脚占位符 5">
             <a:extLst>
               <a:ext uri="{FF2B5EF4-FFF2-40B4-BE49-F238E27FC236}">
-                <a16:creationId xmlns:a16="http://schemas.microsoft.com/office/drawing/2014/main" id="{CB0BCE0E-9A74-1510-3345-5D57642FE23A}"/>
+                <a16:creationId xmlns:a16="http://schemas.microsoft.com/office/drawing/2014/main" id="{E5BBF6F8-77FF-F959-B342-73CC36151136}"/>
               </a:ext>
             </a:extLst>
           </p:cNvPr>
@@ -2411,7 +2411,7 @@
           <p:cNvPr id="7" name="灯片编号占位符 6">
             <a:extLst>
               <a:ext uri="{FF2B5EF4-FFF2-40B4-BE49-F238E27FC236}">
-                <a16:creationId xmlns:a16="http://schemas.microsoft.com/office/drawing/2014/main" id="{0D7751C4-9C34-E3B7-B8D6-EADE4DC5A2FD}"/>
+                <a16:creationId xmlns:a16="http://schemas.microsoft.com/office/drawing/2014/main" id="{764445B9-34D7-498F-FF5D-1E3C36FA1E08}"/>
               </a:ext>
             </a:extLst>
           </p:cNvPr>
@@ -2427,7 +2427,7 @@
           <a:bodyPr/>
           <a:lstStyle/>
           <a:p>
-            <a:fld id="{F476AD3A-5A64-42AB-8A4B-74E0FF1AF28F}" type="slidenum">
+            <a:fld id="{D08B003B-A755-45AA-AD26-65DDCE84F645}" type="slidenum">
               <a:rPr lang="zh-CN" altLang="en-US" smtClean="0"/>
               <a:t>‹#›</a:t>
             </a:fld>
@@ -2438,7 +2438,7 @@
     </p:spTree>
     <p:extLst>
       <p:ext uri="{BB962C8B-B14F-4D97-AF65-F5344CB8AC3E}">
-        <p14:creationId xmlns:p14="http://schemas.microsoft.com/office/powerpoint/2010/main" val="217531757"/>
+        <p14:creationId xmlns:p14="http://schemas.microsoft.com/office/powerpoint/2010/main" val="2569347903"/>
       </p:ext>
     </p:extLst>
   </p:cSld>
@@ -2470,7 +2470,7 @@
           <p:cNvPr id="2" name="标题 1">
             <a:extLst>
               <a:ext uri="{FF2B5EF4-FFF2-40B4-BE49-F238E27FC236}">
-                <a16:creationId xmlns:a16="http://schemas.microsoft.com/office/drawing/2014/main" id="{6A9D9145-1CC7-2F94-F962-94BC5716423E}"/>
+                <a16:creationId xmlns:a16="http://schemas.microsoft.com/office/drawing/2014/main" id="{81E856C7-E112-982E-6443-88BA46386069}"/>
               </a:ext>
             </a:extLst>
           </p:cNvPr>
@@ -2507,7 +2507,7 @@
           <p:cNvPr id="3" name="图片占位符 2">
             <a:extLst>
               <a:ext uri="{FF2B5EF4-FFF2-40B4-BE49-F238E27FC236}">
-                <a16:creationId xmlns:a16="http://schemas.microsoft.com/office/drawing/2014/main" id="{DCFB24B8-1522-472E-E5CB-92B7952D0B55}"/>
+                <a16:creationId xmlns:a16="http://schemas.microsoft.com/office/drawing/2014/main" id="{A5C4FEA4-7EC7-EAE2-9332-B3F9DCD419C0}"/>
               </a:ext>
             </a:extLst>
           </p:cNvPr>
@@ -2574,7 +2574,7 @@
           <p:cNvPr id="4" name="文本占位符 3">
             <a:extLst>
               <a:ext uri="{FF2B5EF4-FFF2-40B4-BE49-F238E27FC236}">
-                <a16:creationId xmlns:a16="http://schemas.microsoft.com/office/drawing/2014/main" id="{7680FF01-40F8-7408-4D32-F86448892C9F}"/>
+                <a16:creationId xmlns:a16="http://schemas.microsoft.com/office/drawing/2014/main" id="{0A97CC71-D4EB-FA46-2F6C-906A40DA6B81}"/>
               </a:ext>
             </a:extLst>
           </p:cNvPr>
@@ -2645,7 +2645,7 @@
           <p:cNvPr id="5" name="日期占位符 4">
             <a:extLst>
               <a:ext uri="{FF2B5EF4-FFF2-40B4-BE49-F238E27FC236}">
-                <a16:creationId xmlns:a16="http://schemas.microsoft.com/office/drawing/2014/main" id="{22C9C424-997F-388F-E00B-95E6F53EEB02}"/>
+                <a16:creationId xmlns:a16="http://schemas.microsoft.com/office/drawing/2014/main" id="{E7D4106A-903B-FFD0-7CF8-3287A8E50F8F}"/>
               </a:ext>
             </a:extLst>
           </p:cNvPr>
@@ -2661,7 +2661,7 @@
           <a:bodyPr/>
           <a:lstStyle/>
           <a:p>
-            <a:fld id="{ED1FEA49-5655-4833-84F1-6A0B1D90EE4D}" type="datetimeFigureOut">
+            <a:fld id="{399F69FC-BD55-4676-B0FE-2CACC656C194}" type="datetimeFigureOut">
               <a:rPr lang="zh-CN" altLang="en-US" smtClean="0"/>
               <a:t>2024/3/10</a:t>
             </a:fld>
@@ -2674,7 +2674,7 @@
           <p:cNvPr id="6" name="页脚占位符 5">
             <a:extLst>
               <a:ext uri="{FF2B5EF4-FFF2-40B4-BE49-F238E27FC236}">
-                <a16:creationId xmlns:a16="http://schemas.microsoft.com/office/drawing/2014/main" id="{73F54DB1-1201-FD6C-5957-D0F18C824DC9}"/>
+                <a16:creationId xmlns:a16="http://schemas.microsoft.com/office/drawing/2014/main" id="{C283CFCD-8D59-6F2F-4F58-A41EB565FC99}"/>
               </a:ext>
             </a:extLst>
           </p:cNvPr>
@@ -2699,7 +2699,7 @@
           <p:cNvPr id="7" name="灯片编号占位符 6">
             <a:extLst>
               <a:ext uri="{FF2B5EF4-FFF2-40B4-BE49-F238E27FC236}">
-                <a16:creationId xmlns:a16="http://schemas.microsoft.com/office/drawing/2014/main" id="{F9B32744-39B8-7010-203D-92EE4D5F7EAB}"/>
+                <a16:creationId xmlns:a16="http://schemas.microsoft.com/office/drawing/2014/main" id="{4ABD26EB-1EBD-F3AD-4D37-089FF2F17B9E}"/>
               </a:ext>
             </a:extLst>
           </p:cNvPr>
@@ -2715,7 +2715,7 @@
           <a:bodyPr/>
           <a:lstStyle/>
           <a:p>
-            <a:fld id="{F476AD3A-5A64-42AB-8A4B-74E0FF1AF28F}" type="slidenum">
+            <a:fld id="{D08B003B-A755-45AA-AD26-65DDCE84F645}" type="slidenum">
               <a:rPr lang="zh-CN" altLang="en-US" smtClean="0"/>
               <a:t>‹#›</a:t>
             </a:fld>
@@ -2726,7 +2726,7 @@
     </p:spTree>
     <p:extLst>
       <p:ext uri="{BB962C8B-B14F-4D97-AF65-F5344CB8AC3E}">
-        <p14:creationId xmlns:p14="http://schemas.microsoft.com/office/powerpoint/2010/main" val="212851306"/>
+        <p14:creationId xmlns:p14="http://schemas.microsoft.com/office/powerpoint/2010/main" val="3511836518"/>
       </p:ext>
     </p:extLst>
   </p:cSld>
@@ -2763,7 +2763,7 @@
           <p:cNvPr id="2" name="标题占位符 1">
             <a:extLst>
               <a:ext uri="{FF2B5EF4-FFF2-40B4-BE49-F238E27FC236}">
-                <a16:creationId xmlns:a16="http://schemas.microsoft.com/office/drawing/2014/main" id="{E49F7A91-8B35-1139-E2F9-074AC7F017C1}"/>
+                <a16:creationId xmlns:a16="http://schemas.microsoft.com/office/drawing/2014/main" id="{711E2800-AEAE-5727-F332-805112AEB49A}"/>
               </a:ext>
             </a:extLst>
           </p:cNvPr>
@@ -2801,7 +2801,7 @@
           <p:cNvPr id="3" name="文本占位符 2">
             <a:extLst>
               <a:ext uri="{FF2B5EF4-FFF2-40B4-BE49-F238E27FC236}">
-                <a16:creationId xmlns:a16="http://schemas.microsoft.com/office/drawing/2014/main" id="{464BBAE7-6AFC-C6C9-4432-DF3FAE86C8F7}"/>
+                <a16:creationId xmlns:a16="http://schemas.microsoft.com/office/drawing/2014/main" id="{679FC16B-9EA1-49E4-423B-145412417C08}"/>
               </a:ext>
             </a:extLst>
           </p:cNvPr>
@@ -2868,7 +2868,7 @@
           <p:cNvPr id="4" name="日期占位符 3">
             <a:extLst>
               <a:ext uri="{FF2B5EF4-FFF2-40B4-BE49-F238E27FC236}">
-                <a16:creationId xmlns:a16="http://schemas.microsoft.com/office/drawing/2014/main" id="{707F54E0-3C4C-1E8D-3934-902643CF1BA9}"/>
+                <a16:creationId xmlns:a16="http://schemas.microsoft.com/office/drawing/2014/main" id="{92E7BF6F-8DE9-B0FB-F896-BEC6C67CE70E}"/>
               </a:ext>
             </a:extLst>
           </p:cNvPr>
@@ -2902,7 +2902,7 @@
             </a:lvl1pPr>
           </a:lstStyle>
           <a:p>
-            <a:fld id="{ED1FEA49-5655-4833-84F1-6A0B1D90EE4D}" type="datetimeFigureOut">
+            <a:fld id="{399F69FC-BD55-4676-B0FE-2CACC656C194}" type="datetimeFigureOut">
               <a:rPr lang="zh-CN" altLang="en-US" smtClean="0"/>
               <a:t>2024/3/10</a:t>
             </a:fld>
@@ -2915,7 +2915,7 @@
           <p:cNvPr id="5" name="页脚占位符 4">
             <a:extLst>
               <a:ext uri="{FF2B5EF4-FFF2-40B4-BE49-F238E27FC236}">
-                <a16:creationId xmlns:a16="http://schemas.microsoft.com/office/drawing/2014/main" id="{736A2F0E-CEED-EE73-CF92-B4918BCC06AB}"/>
+                <a16:creationId xmlns:a16="http://schemas.microsoft.com/office/drawing/2014/main" id="{4D769CF1-05CF-7DF4-0FE2-FE40F7E11EBF}"/>
               </a:ext>
             </a:extLst>
           </p:cNvPr>
@@ -2958,7 +2958,7 @@
           <p:cNvPr id="6" name="灯片编号占位符 5">
             <a:extLst>
               <a:ext uri="{FF2B5EF4-FFF2-40B4-BE49-F238E27FC236}">
-                <a16:creationId xmlns:a16="http://schemas.microsoft.com/office/drawing/2014/main" id="{325E4EBF-E554-6A09-3A11-C09CFFAB6FD2}"/>
+                <a16:creationId xmlns:a16="http://schemas.microsoft.com/office/drawing/2014/main" id="{1A414A1A-BE48-A0DA-6A45-EDCF3B7B7C14}"/>
               </a:ext>
             </a:extLst>
           </p:cNvPr>
@@ -2992,7 +2992,7 @@
             </a:lvl1pPr>
           </a:lstStyle>
           <a:p>
-            <a:fld id="{F476AD3A-5A64-42AB-8A4B-74E0FF1AF28F}" type="slidenum">
+            <a:fld id="{D08B003B-A755-45AA-AD26-65DDCE84F645}" type="slidenum">
               <a:rPr lang="zh-CN" altLang="en-US" smtClean="0"/>
               <a:t>‹#›</a:t>
             </a:fld>
@@ -3003,7 +3003,7 @@
     </p:spTree>
     <p:extLst>
       <p:ext uri="{BB962C8B-B14F-4D97-AF65-F5344CB8AC3E}">
-        <p14:creationId xmlns:p14="http://schemas.microsoft.com/office/powerpoint/2010/main" val="3689671687"/>
+        <p14:creationId xmlns:p14="http://schemas.microsoft.com/office/powerpoint/2010/main" val="868453742"/>
       </p:ext>
     </p:extLst>
   </p:cSld>
